--- a/week1/Introduction to ML.pptx
+++ b/week1/Introduction to ML.pptx
@@ -5,7 +5,7 @@
     <p:sldMasterId id="2147483660" r:id="rId1"/>
   </p:sldMasterIdLst>
   <p:notesMasterIdLst>
-    <p:notesMasterId r:id="rId28"/>
+    <p:notesMasterId r:id="rId29"/>
   </p:notesMasterIdLst>
   <p:sldIdLst>
     <p:sldId id="256" r:id="rId2"/>
@@ -16,24 +16,25 @@
     <p:sldId id="368" r:id="rId7"/>
     <p:sldId id="369" r:id="rId8"/>
     <p:sldId id="371" r:id="rId9"/>
-    <p:sldId id="373" r:id="rId10"/>
-    <p:sldId id="374" r:id="rId11"/>
-    <p:sldId id="372" r:id="rId12"/>
-    <p:sldId id="375" r:id="rId13"/>
-    <p:sldId id="377" r:id="rId14"/>
-    <p:sldId id="376" r:id="rId15"/>
-    <p:sldId id="379" r:id="rId16"/>
-    <p:sldId id="378" r:id="rId17"/>
-    <p:sldId id="380" r:id="rId18"/>
-    <p:sldId id="381" r:id="rId19"/>
-    <p:sldId id="382" r:id="rId20"/>
-    <p:sldId id="383" r:id="rId21"/>
-    <p:sldId id="384" r:id="rId22"/>
-    <p:sldId id="385" r:id="rId23"/>
-    <p:sldId id="386" r:id="rId24"/>
-    <p:sldId id="387" r:id="rId25"/>
-    <p:sldId id="388" r:id="rId26"/>
-    <p:sldId id="389" r:id="rId27"/>
+    <p:sldId id="390" r:id="rId10"/>
+    <p:sldId id="373" r:id="rId11"/>
+    <p:sldId id="374" r:id="rId12"/>
+    <p:sldId id="372" r:id="rId13"/>
+    <p:sldId id="375" r:id="rId14"/>
+    <p:sldId id="377" r:id="rId15"/>
+    <p:sldId id="376" r:id="rId16"/>
+    <p:sldId id="379" r:id="rId17"/>
+    <p:sldId id="378" r:id="rId18"/>
+    <p:sldId id="380" r:id="rId19"/>
+    <p:sldId id="381" r:id="rId20"/>
+    <p:sldId id="382" r:id="rId21"/>
+    <p:sldId id="383" r:id="rId22"/>
+    <p:sldId id="384" r:id="rId23"/>
+    <p:sldId id="385" r:id="rId24"/>
+    <p:sldId id="386" r:id="rId25"/>
+    <p:sldId id="387" r:id="rId26"/>
+    <p:sldId id="388" r:id="rId27"/>
+    <p:sldId id="389" r:id="rId28"/>
   </p:sldIdLst>
   <p:sldSz cx="9144000" cy="6858000" type="screen4x3"/>
   <p:notesSz cx="6858000" cy="9144000"/>
@@ -226,7 +227,7 @@
           <a:p>
             <a:fld id="{A4FC0D3C-9D97-48B3-A8BD-2F8412874814}" type="datetimeFigureOut">
               <a:rPr lang="zh-TW" altLang="en-US" smtClean="0"/>
-              <a:t>2017/9/10</a:t>
+              <a:t>2017/9/14</a:t>
             </a:fld>
             <a:endParaRPr lang="zh-TW" altLang="en-US"/>
           </a:p>
@@ -558,7 +559,7 @@
           <a:p>
             <a:fld id="{2AAF5848-695C-4954-8FA3-37BB77D7C21E}" type="slidenum">
               <a:rPr lang="zh-TW" altLang="en-US" smtClean="0"/>
-              <a:t>26</a:t>
+              <a:t>27</a:t>
             </a:fld>
             <a:endParaRPr lang="zh-TW" altLang="en-US"/>
           </a:p>
@@ -708,7 +709,7 @@
           <a:p>
             <a:fld id="{F42DB1B2-B2BD-4E0F-92D8-71067FCAE6E8}" type="datetimeFigureOut">
               <a:rPr lang="zh-TW" altLang="en-US" smtClean="0"/>
-              <a:t>2017/9/10</a:t>
+              <a:t>2017/9/14</a:t>
             </a:fld>
             <a:endParaRPr lang="zh-TW" altLang="en-US"/>
           </a:p>
@@ -878,7 +879,7 @@
           <a:p>
             <a:fld id="{F42DB1B2-B2BD-4E0F-92D8-71067FCAE6E8}" type="datetimeFigureOut">
               <a:rPr lang="zh-TW" altLang="en-US" smtClean="0"/>
-              <a:t>2017/9/10</a:t>
+              <a:t>2017/9/14</a:t>
             </a:fld>
             <a:endParaRPr lang="zh-TW" altLang="en-US"/>
           </a:p>
@@ -1058,7 +1059,7 @@
           <a:p>
             <a:fld id="{F42DB1B2-B2BD-4E0F-92D8-71067FCAE6E8}" type="datetimeFigureOut">
               <a:rPr lang="zh-TW" altLang="en-US" smtClean="0"/>
-              <a:t>2017/9/10</a:t>
+              <a:t>2017/9/14</a:t>
             </a:fld>
             <a:endParaRPr lang="zh-TW" altLang="en-US"/>
           </a:p>
@@ -1228,7 +1229,7 @@
           <a:p>
             <a:fld id="{F42DB1B2-B2BD-4E0F-92D8-71067FCAE6E8}" type="datetimeFigureOut">
               <a:rPr lang="zh-TW" altLang="en-US" smtClean="0"/>
-              <a:t>2017/9/10</a:t>
+              <a:t>2017/9/14</a:t>
             </a:fld>
             <a:endParaRPr lang="zh-TW" altLang="en-US"/>
           </a:p>
@@ -1472,7 +1473,7 @@
           <a:p>
             <a:fld id="{F42DB1B2-B2BD-4E0F-92D8-71067FCAE6E8}" type="datetimeFigureOut">
               <a:rPr lang="zh-TW" altLang="en-US" smtClean="0"/>
-              <a:t>2017/9/10</a:t>
+              <a:t>2017/9/14</a:t>
             </a:fld>
             <a:endParaRPr lang="zh-TW" altLang="en-US"/>
           </a:p>
@@ -1704,7 +1705,7 @@
           <a:p>
             <a:fld id="{F42DB1B2-B2BD-4E0F-92D8-71067FCAE6E8}" type="datetimeFigureOut">
               <a:rPr lang="zh-TW" altLang="en-US" smtClean="0"/>
-              <a:t>2017/9/10</a:t>
+              <a:t>2017/9/14</a:t>
             </a:fld>
             <a:endParaRPr lang="zh-TW" altLang="en-US"/>
           </a:p>
@@ -2071,7 +2072,7 @@
           <a:p>
             <a:fld id="{F42DB1B2-B2BD-4E0F-92D8-71067FCAE6E8}" type="datetimeFigureOut">
               <a:rPr lang="zh-TW" altLang="en-US" smtClean="0"/>
-              <a:t>2017/9/10</a:t>
+              <a:t>2017/9/14</a:t>
             </a:fld>
             <a:endParaRPr lang="zh-TW" altLang="en-US"/>
           </a:p>
@@ -2189,7 +2190,7 @@
           <a:p>
             <a:fld id="{F42DB1B2-B2BD-4E0F-92D8-71067FCAE6E8}" type="datetimeFigureOut">
               <a:rPr lang="zh-TW" altLang="en-US" smtClean="0"/>
-              <a:t>2017/9/10</a:t>
+              <a:t>2017/9/14</a:t>
             </a:fld>
             <a:endParaRPr lang="zh-TW" altLang="en-US"/>
           </a:p>
@@ -2284,7 +2285,7 @@
           <a:p>
             <a:fld id="{F42DB1B2-B2BD-4E0F-92D8-71067FCAE6E8}" type="datetimeFigureOut">
               <a:rPr lang="zh-TW" altLang="en-US" smtClean="0"/>
-              <a:t>2017/9/10</a:t>
+              <a:t>2017/9/14</a:t>
             </a:fld>
             <a:endParaRPr lang="zh-TW" altLang="en-US"/>
           </a:p>
@@ -2561,7 +2562,7 @@
           <a:p>
             <a:fld id="{F42DB1B2-B2BD-4E0F-92D8-71067FCAE6E8}" type="datetimeFigureOut">
               <a:rPr lang="zh-TW" altLang="en-US" smtClean="0"/>
-              <a:t>2017/9/10</a:t>
+              <a:t>2017/9/14</a:t>
             </a:fld>
             <a:endParaRPr lang="zh-TW" altLang="en-US"/>
           </a:p>
@@ -2818,7 +2819,7 @@
           <a:p>
             <a:fld id="{F42DB1B2-B2BD-4E0F-92D8-71067FCAE6E8}" type="datetimeFigureOut">
               <a:rPr lang="zh-TW" altLang="en-US" smtClean="0"/>
-              <a:t>2017/9/10</a:t>
+              <a:t>2017/9/14</a:t>
             </a:fld>
             <a:endParaRPr lang="zh-TW" altLang="en-US"/>
           </a:p>
@@ -3031,7 +3032,7 @@
           <a:p>
             <a:fld id="{F42DB1B2-B2BD-4E0F-92D8-71067FCAE6E8}" type="datetimeFigureOut">
               <a:rPr lang="zh-TW" altLang="en-US" smtClean="0"/>
-              <a:t>2017/9/10</a:t>
+              <a:t>2017/9/14</a:t>
             </a:fld>
             <a:endParaRPr lang="zh-TW" altLang="en-US"/>
           </a:p>
@@ -3546,6 +3547,144 @@
           <p:cNvPr id="2" name="Title 1">
             <a:extLst>
               <a:ext uri="{FF2B5EF4-FFF2-40B4-BE49-F238E27FC236}">
+                <a16:creationId xmlns:a16="http://schemas.microsoft.com/office/drawing/2014/main" id="{7B32CFD5-125A-4082-A964-0FC3F042C391}"/>
+              </a:ext>
+            </a:extLst>
+          </p:cNvPr>
+          <p:cNvSpPr>
+            <a:spLocks noGrp="1"/>
+          </p:cNvSpPr>
+          <p:nvPr>
+            <p:ph type="title"/>
+          </p:nvPr>
+        </p:nvSpPr>
+        <p:spPr/>
+        <p:txBody>
+          <a:bodyPr/>
+          <a:lstStyle/>
+          <a:p>
+            <a:r>
+              <a:rPr lang="en-US" dirty="0"/>
+              <a:t>How to make machine learn?</a:t>
+            </a:r>
+          </a:p>
+        </p:txBody>
+      </p:sp>
+      <p:sp>
+        <p:nvSpPr>
+          <p:cNvPr id="3" name="Content Placeholder 2">
+            <a:extLst>
+              <a:ext uri="{FF2B5EF4-FFF2-40B4-BE49-F238E27FC236}">
+                <a16:creationId xmlns:a16="http://schemas.microsoft.com/office/drawing/2014/main" id="{B1CD2929-7117-403C-80C1-A982C756790C}"/>
+              </a:ext>
+            </a:extLst>
+          </p:cNvPr>
+          <p:cNvSpPr>
+            <a:spLocks noGrp="1"/>
+          </p:cNvSpPr>
+          <p:nvPr>
+            <p:ph idx="1"/>
+          </p:nvPr>
+        </p:nvSpPr>
+        <p:spPr/>
+        <p:txBody>
+          <a:bodyPr/>
+          <a:lstStyle/>
+          <a:p>
+            <a:r>
+              <a:rPr lang="en-US" dirty="0"/>
+              <a:t>The first thing to handle…</a:t>
+            </a:r>
+          </a:p>
+          <a:p>
+            <a:endParaRPr lang="en-US" dirty="0"/>
+          </a:p>
+          <a:p>
+            <a:pPr marL="0" indent="0">
+              <a:buNone/>
+            </a:pPr>
+            <a:r>
+              <a:rPr lang="en-US" dirty="0"/>
+              <a:t>      -</a:t>
+            </a:r>
+            <a:r>
+              <a:rPr lang="en-US" b="1" dirty="0"/>
+              <a:t>DATA!</a:t>
+            </a:r>
+          </a:p>
+          <a:p>
+            <a:pPr marL="0" indent="0">
+              <a:buNone/>
+            </a:pPr>
+            <a:r>
+              <a:rPr lang="en-US" dirty="0"/>
+              <a:t>      -with target values? Regression</a:t>
+            </a:r>
+          </a:p>
+          <a:p>
+            <a:pPr marL="0" indent="0">
+              <a:buNone/>
+            </a:pPr>
+            <a:r>
+              <a:rPr lang="en-US" dirty="0"/>
+              <a:t>      -without target values? Clustering</a:t>
+            </a:r>
+          </a:p>
+          <a:p>
+            <a:pPr marL="0" indent="0">
+              <a:buNone/>
+            </a:pPr>
+            <a:r>
+              <a:rPr lang="en-US" dirty="0"/>
+              <a:t>      -easy to know the target values? Playing chess</a:t>
+            </a:r>
+          </a:p>
+          <a:p>
+            <a:pPr marL="0" indent="0">
+              <a:buNone/>
+            </a:pPr>
+            <a:endParaRPr lang="en-US" dirty="0"/>
+          </a:p>
+          <a:p>
+            <a:endParaRPr lang="en-US" dirty="0"/>
+          </a:p>
+        </p:txBody>
+      </p:sp>
+    </p:spTree>
+    <p:extLst>
+      <p:ext uri="{BB962C8B-B14F-4D97-AF65-F5344CB8AC3E}">
+        <p14:creationId xmlns:p14="http://schemas.microsoft.com/office/powerpoint/2010/main" val="3392138837"/>
+      </p:ext>
+    </p:extLst>
+  </p:cSld>
+  <p:clrMapOvr>
+    <a:masterClrMapping/>
+  </p:clrMapOvr>
+</p:sld>
+</file>
+
+<file path=ppt/slides/slide11.xml><?xml version="1.0" encoding="utf-8"?>
+<p:sld xmlns:a="http://schemas.openxmlformats.org/drawingml/2006/main" xmlns:r="http://schemas.openxmlformats.org/officeDocument/2006/relationships" xmlns:p="http://schemas.openxmlformats.org/presentationml/2006/main">
+  <p:cSld>
+    <p:spTree>
+      <p:nvGrpSpPr>
+        <p:cNvPr id="1" name=""/>
+        <p:cNvGrpSpPr/>
+        <p:nvPr/>
+      </p:nvGrpSpPr>
+      <p:grpSpPr>
+        <a:xfrm>
+          <a:off x="0" y="0"/>
+          <a:ext cx="0" cy="0"/>
+          <a:chOff x="0" y="0"/>
+          <a:chExt cx="0" cy="0"/>
+        </a:xfrm>
+      </p:grpSpPr>
+      <p:sp>
+        <p:nvSpPr>
+          <p:cNvPr id="2" name="Title 1">
+            <a:extLst>
+              <a:ext uri="{FF2B5EF4-FFF2-40B4-BE49-F238E27FC236}">
                 <a16:creationId xmlns:a16="http://schemas.microsoft.com/office/drawing/2014/main" id="{39279138-59CB-46CE-A78C-8F306EA6907C}"/>
               </a:ext>
             </a:extLst>
@@ -3670,7 +3809,7 @@
 </p:sld>
 </file>
 
-<file path=ppt/slides/slide11.xml><?xml version="1.0" encoding="utf-8"?>
+<file path=ppt/slides/slide12.xml><?xml version="1.0" encoding="utf-8"?>
 <p:sld xmlns:a="http://schemas.openxmlformats.org/drawingml/2006/main" xmlns:r="http://schemas.openxmlformats.org/officeDocument/2006/relationships" xmlns:p="http://schemas.openxmlformats.org/presentationml/2006/main">
   <p:cSld>
     <p:spTree>
@@ -3920,7 +4059,7 @@
 </p:sld>
 </file>
 
-<file path=ppt/slides/slide12.xml><?xml version="1.0" encoding="utf-8"?>
+<file path=ppt/slides/slide13.xml><?xml version="1.0" encoding="utf-8"?>
 <p:sld xmlns:a="http://schemas.openxmlformats.org/drawingml/2006/main" xmlns:r="http://schemas.openxmlformats.org/officeDocument/2006/relationships" xmlns:p="http://schemas.openxmlformats.org/presentationml/2006/main">
   <p:cSld>
     <p:spTree>
@@ -4047,7 +4186,7 @@
 </p:sld>
 </file>
 
-<file path=ppt/slides/slide13.xml><?xml version="1.0" encoding="utf-8"?>
+<file path=ppt/slides/slide14.xml><?xml version="1.0" encoding="utf-8"?>
 <p:sld xmlns:a="http://schemas.openxmlformats.org/drawingml/2006/main" xmlns:r="http://schemas.openxmlformats.org/officeDocument/2006/relationships" xmlns:p="http://schemas.openxmlformats.org/presentationml/2006/main">
   <p:cSld>
     <p:spTree>
@@ -4164,8 +4303,8 @@
           </a:fontRef>
         </p:style>
       </p:cxnSp>
-      <mc:AlternateContent xmlns:mc="http://schemas.openxmlformats.org/markup-compatibility/2006">
-        <mc:Choice xmlns:a14="http://schemas.microsoft.com/office/drawing/2010/main" Requires="a14">
+      <mc:AlternateContent xmlns:mc="http://schemas.openxmlformats.org/markup-compatibility/2006" xmlns:a14="http://schemas.microsoft.com/office/drawing/2010/main">
+        <mc:Choice Requires="a14">
           <p:sp>
             <p:nvSpPr>
               <p:cNvPr id="7" name="文字方塊 19">
@@ -4194,7 +4333,6 @@
               </a:bodyPr>
               <a:lstStyle/>
               <a:p>
-                <a:pPr/>
                 <a:r>
                   <a:rPr lang="en-US" altLang="zh-TW" sz="2800" b="0" dirty="0"/>
                   <a:t>Error </a:t>
@@ -4397,7 +4535,7 @@
             </p:txBody>
           </p:sp>
         </mc:Choice>
-        <mc:Fallback>
+        <mc:Fallback xmlns="">
           <p:sp>
             <p:nvSpPr>
               <p:cNvPr id="7" name="文字方塊 19">
@@ -4533,7 +4671,7 @@
 </p:sld>
 </file>
 
-<file path=ppt/slides/slide14.xml><?xml version="1.0" encoding="utf-8"?>
+<file path=ppt/slides/slide15.xml><?xml version="1.0" encoding="utf-8"?>
 <p:sld xmlns:a="http://schemas.openxmlformats.org/drawingml/2006/main" xmlns:r="http://schemas.openxmlformats.org/officeDocument/2006/relationships" xmlns:p="http://schemas.openxmlformats.org/presentationml/2006/main">
   <p:cSld>
     <p:spTree>
@@ -5163,7 +5301,7 @@
 </p:sld>
 </file>
 
-<file path=ppt/slides/slide15.xml><?xml version="1.0" encoding="utf-8"?>
+<file path=ppt/slides/slide16.xml><?xml version="1.0" encoding="utf-8"?>
 <p:sld xmlns:a="http://schemas.openxmlformats.org/drawingml/2006/main" xmlns:r="http://schemas.openxmlformats.org/officeDocument/2006/relationships" xmlns:p="http://schemas.openxmlformats.org/presentationml/2006/main">
   <p:cSld>
     <p:spTree>
@@ -5382,7 +5520,7 @@
 </p:sld>
 </file>
 
-<file path=ppt/slides/slide16.xml><?xml version="1.0" encoding="utf-8"?>
+<file path=ppt/slides/slide17.xml><?xml version="1.0" encoding="utf-8"?>
 <p:sld xmlns:a="http://schemas.openxmlformats.org/drawingml/2006/main" xmlns:r="http://schemas.openxmlformats.org/officeDocument/2006/relationships" xmlns:p="http://schemas.openxmlformats.org/presentationml/2006/main">
   <p:cSld>
     <p:spTree>
@@ -5507,7 +5645,7 @@
 </p:sld>
 </file>
 
-<file path=ppt/slides/slide17.xml><?xml version="1.0" encoding="utf-8"?>
+<file path=ppt/slides/slide18.xml><?xml version="1.0" encoding="utf-8"?>
 <p:sld xmlns:a="http://schemas.openxmlformats.org/drawingml/2006/main" xmlns:r="http://schemas.openxmlformats.org/officeDocument/2006/relationships" xmlns:p="http://schemas.openxmlformats.org/presentationml/2006/main">
   <p:cSld>
     <p:spTree>
@@ -5676,7 +5814,7 @@
 </p:sld>
 </file>
 
-<file path=ppt/slides/slide18.xml><?xml version="1.0" encoding="utf-8"?>
+<file path=ppt/slides/slide19.xml><?xml version="1.0" encoding="utf-8"?>
 <p:sld xmlns:a="http://schemas.openxmlformats.org/drawingml/2006/main" xmlns:r="http://schemas.openxmlformats.org/officeDocument/2006/relationships" xmlns:p="http://schemas.openxmlformats.org/presentationml/2006/main">
   <p:cSld>
     <p:spTree>
@@ -5816,7 +5954,131 @@
 </p:sld>
 </file>
 
-<file path=ppt/slides/slide19.xml><?xml version="1.0" encoding="utf-8"?>
+<file path=ppt/slides/slide2.xml><?xml version="1.0" encoding="utf-8"?>
+<p:sld xmlns:a="http://schemas.openxmlformats.org/drawingml/2006/main" xmlns:r="http://schemas.openxmlformats.org/officeDocument/2006/relationships" xmlns:p="http://schemas.openxmlformats.org/presentationml/2006/main">
+  <p:cSld>
+    <p:spTree>
+      <p:nvGrpSpPr>
+        <p:cNvPr id="1" name=""/>
+        <p:cNvGrpSpPr/>
+        <p:nvPr/>
+      </p:nvGrpSpPr>
+      <p:grpSpPr>
+        <a:xfrm>
+          <a:off x="0" y="0"/>
+          <a:ext cx="0" cy="0"/>
+          <a:chOff x="0" y="0"/>
+          <a:chExt cx="0" cy="0"/>
+        </a:xfrm>
+      </p:grpSpPr>
+      <p:sp>
+        <p:nvSpPr>
+          <p:cNvPr id="2" name="Title 1">
+            <a:extLst>
+              <a:ext uri="{FF2B5EF4-FFF2-40B4-BE49-F238E27FC236}">
+                <a16:creationId xmlns:a16="http://schemas.microsoft.com/office/drawing/2014/main" id="{D8FC139E-848D-47CF-BE65-C021611EEF5E}"/>
+              </a:ext>
+            </a:extLst>
+          </p:cNvPr>
+          <p:cNvSpPr>
+            <a:spLocks noGrp="1"/>
+          </p:cNvSpPr>
+          <p:nvPr>
+            <p:ph type="title"/>
+          </p:nvPr>
+        </p:nvSpPr>
+        <p:spPr/>
+        <p:txBody>
+          <a:bodyPr/>
+          <a:lstStyle/>
+          <a:p>
+            <a:r>
+              <a:rPr lang="en-US" dirty="0"/>
+              <a:t>Welcome!</a:t>
+            </a:r>
+          </a:p>
+        </p:txBody>
+      </p:sp>
+      <p:sp>
+        <p:nvSpPr>
+          <p:cNvPr id="3" name="Content Placeholder 2">
+            <a:extLst>
+              <a:ext uri="{FF2B5EF4-FFF2-40B4-BE49-F238E27FC236}">
+                <a16:creationId xmlns:a16="http://schemas.microsoft.com/office/drawing/2014/main" id="{98EA5FF3-FDD8-4AB8-B858-EFFCCDFA1178}"/>
+              </a:ext>
+            </a:extLst>
+          </p:cNvPr>
+          <p:cNvSpPr>
+            <a:spLocks noGrp="1"/>
+          </p:cNvSpPr>
+          <p:nvPr>
+            <p:ph idx="1"/>
+          </p:nvPr>
+        </p:nvSpPr>
+        <p:spPr/>
+        <p:txBody>
+          <a:bodyPr/>
+          <a:lstStyle/>
+          <a:p>
+            <a:r>
+              <a:rPr lang="en-US" dirty="0"/>
+              <a:t>WHAT?</a:t>
+            </a:r>
+          </a:p>
+          <a:p>
+            <a:r>
+              <a:rPr lang="en-US" dirty="0"/>
+              <a:t>WHY?</a:t>
+            </a:r>
+          </a:p>
+          <a:p>
+            <a:r>
+              <a:rPr lang="en-US" dirty="0"/>
+              <a:t>HOW?</a:t>
+            </a:r>
+          </a:p>
+          <a:p>
+            <a:endParaRPr lang="en-US" dirty="0"/>
+          </a:p>
+          <a:p>
+            <a:r>
+              <a:rPr lang="en-US" dirty="0"/>
+              <a:t>What could we do with ML?</a:t>
+            </a:r>
+          </a:p>
+          <a:p>
+            <a:r>
+              <a:rPr lang="en-US" dirty="0"/>
+              <a:t>What you </a:t>
+            </a:r>
+            <a:r>
+              <a:rPr lang="en-US" dirty="0" err="1"/>
+              <a:t>gonna</a:t>
+            </a:r>
+            <a:r>
+              <a:rPr lang="en-US" dirty="0"/>
+              <a:t> learn?</a:t>
+            </a:r>
+          </a:p>
+          <a:p>
+            <a:endParaRPr lang="en-US" dirty="0"/>
+          </a:p>
+        </p:txBody>
+      </p:sp>
+    </p:spTree>
+    <p:extLst>
+      <p:ext uri="{BB962C8B-B14F-4D97-AF65-F5344CB8AC3E}">
+        <p14:creationId xmlns:p14="http://schemas.microsoft.com/office/powerpoint/2010/main" val="3295028634"/>
+      </p:ext>
+    </p:extLst>
+  </p:cSld>
+  <p:clrMapOvr>
+    <a:masterClrMapping/>
+  </p:clrMapOvr>
+</p:sld>
+</file>
+
+<file path=ppt/slides/slide20.xml><?xml version="1.0" encoding="utf-8"?>
 <p:sld xmlns:a="http://schemas.openxmlformats.org/drawingml/2006/main" xmlns:r="http://schemas.openxmlformats.org/officeDocument/2006/relationships" xmlns:p="http://schemas.openxmlformats.org/presentationml/2006/main">
   <p:cSld>
     <p:spTree>
@@ -5993,131 +6255,7 @@
 </p:sld>
 </file>
 
-<file path=ppt/slides/slide2.xml><?xml version="1.0" encoding="utf-8"?>
-<p:sld xmlns:a="http://schemas.openxmlformats.org/drawingml/2006/main" xmlns:r="http://schemas.openxmlformats.org/officeDocument/2006/relationships" xmlns:p="http://schemas.openxmlformats.org/presentationml/2006/main">
-  <p:cSld>
-    <p:spTree>
-      <p:nvGrpSpPr>
-        <p:cNvPr id="1" name=""/>
-        <p:cNvGrpSpPr/>
-        <p:nvPr/>
-      </p:nvGrpSpPr>
-      <p:grpSpPr>
-        <a:xfrm>
-          <a:off x="0" y="0"/>
-          <a:ext cx="0" cy="0"/>
-          <a:chOff x="0" y="0"/>
-          <a:chExt cx="0" cy="0"/>
-        </a:xfrm>
-      </p:grpSpPr>
-      <p:sp>
-        <p:nvSpPr>
-          <p:cNvPr id="2" name="Title 1">
-            <a:extLst>
-              <a:ext uri="{FF2B5EF4-FFF2-40B4-BE49-F238E27FC236}">
-                <a16:creationId xmlns:a16="http://schemas.microsoft.com/office/drawing/2014/main" id="{D8FC139E-848D-47CF-BE65-C021611EEF5E}"/>
-              </a:ext>
-            </a:extLst>
-          </p:cNvPr>
-          <p:cNvSpPr>
-            <a:spLocks noGrp="1"/>
-          </p:cNvSpPr>
-          <p:nvPr>
-            <p:ph type="title"/>
-          </p:nvPr>
-        </p:nvSpPr>
-        <p:spPr/>
-        <p:txBody>
-          <a:bodyPr/>
-          <a:lstStyle/>
-          <a:p>
-            <a:r>
-              <a:rPr lang="en-US" dirty="0"/>
-              <a:t>Welcome!</a:t>
-            </a:r>
-          </a:p>
-        </p:txBody>
-      </p:sp>
-      <p:sp>
-        <p:nvSpPr>
-          <p:cNvPr id="3" name="Content Placeholder 2">
-            <a:extLst>
-              <a:ext uri="{FF2B5EF4-FFF2-40B4-BE49-F238E27FC236}">
-                <a16:creationId xmlns:a16="http://schemas.microsoft.com/office/drawing/2014/main" id="{98EA5FF3-FDD8-4AB8-B858-EFFCCDFA1178}"/>
-              </a:ext>
-            </a:extLst>
-          </p:cNvPr>
-          <p:cNvSpPr>
-            <a:spLocks noGrp="1"/>
-          </p:cNvSpPr>
-          <p:nvPr>
-            <p:ph idx="1"/>
-          </p:nvPr>
-        </p:nvSpPr>
-        <p:spPr/>
-        <p:txBody>
-          <a:bodyPr/>
-          <a:lstStyle/>
-          <a:p>
-            <a:r>
-              <a:rPr lang="en-US" dirty="0"/>
-              <a:t>WHAT?</a:t>
-            </a:r>
-          </a:p>
-          <a:p>
-            <a:r>
-              <a:rPr lang="en-US" dirty="0"/>
-              <a:t>WHY?</a:t>
-            </a:r>
-          </a:p>
-          <a:p>
-            <a:r>
-              <a:rPr lang="en-US" dirty="0"/>
-              <a:t>HOW?</a:t>
-            </a:r>
-          </a:p>
-          <a:p>
-            <a:endParaRPr lang="en-US" dirty="0"/>
-          </a:p>
-          <a:p>
-            <a:r>
-              <a:rPr lang="en-US" dirty="0"/>
-              <a:t>What could we do with ML?</a:t>
-            </a:r>
-          </a:p>
-          <a:p>
-            <a:r>
-              <a:rPr lang="en-US" dirty="0"/>
-              <a:t>What you </a:t>
-            </a:r>
-            <a:r>
-              <a:rPr lang="en-US" dirty="0" err="1"/>
-              <a:t>gonna</a:t>
-            </a:r>
-            <a:r>
-              <a:rPr lang="en-US" dirty="0"/>
-              <a:t> learn?</a:t>
-            </a:r>
-          </a:p>
-          <a:p>
-            <a:endParaRPr lang="en-US" dirty="0"/>
-          </a:p>
-        </p:txBody>
-      </p:sp>
-    </p:spTree>
-    <p:extLst>
-      <p:ext uri="{BB962C8B-B14F-4D97-AF65-F5344CB8AC3E}">
-        <p14:creationId xmlns:p14="http://schemas.microsoft.com/office/powerpoint/2010/main" val="3295028634"/>
-      </p:ext>
-    </p:extLst>
-  </p:cSld>
-  <p:clrMapOvr>
-    <a:masterClrMapping/>
-  </p:clrMapOvr>
-</p:sld>
-</file>
-
-<file path=ppt/slides/slide20.xml><?xml version="1.0" encoding="utf-8"?>
+<file path=ppt/slides/slide21.xml><?xml version="1.0" encoding="utf-8"?>
 <p:sld xmlns:a="http://schemas.openxmlformats.org/drawingml/2006/main" xmlns:r="http://schemas.openxmlformats.org/officeDocument/2006/relationships" xmlns:p="http://schemas.openxmlformats.org/presentationml/2006/main">
   <p:cSld>
     <p:spTree>
@@ -6297,7 +6435,7 @@
 </p:sld>
 </file>
 
-<file path=ppt/slides/slide21.xml><?xml version="1.0" encoding="utf-8"?>
+<file path=ppt/slides/slide22.xml><?xml version="1.0" encoding="utf-8"?>
 <p:sld xmlns:a="http://schemas.openxmlformats.org/drawingml/2006/main" xmlns:r="http://schemas.openxmlformats.org/officeDocument/2006/relationships" xmlns:p="http://schemas.openxmlformats.org/presentationml/2006/main">
   <p:cSld>
     <p:spTree>
@@ -6446,7 +6584,7 @@
 </p:sld>
 </file>
 
-<file path=ppt/slides/slide22.xml><?xml version="1.0" encoding="utf-8"?>
+<file path=ppt/slides/slide23.xml><?xml version="1.0" encoding="utf-8"?>
 <p:sld xmlns:a="http://schemas.openxmlformats.org/drawingml/2006/main" xmlns:r="http://schemas.openxmlformats.org/officeDocument/2006/relationships" xmlns:p="http://schemas.openxmlformats.org/presentationml/2006/main">
   <p:cSld>
     <p:spTree>
@@ -6769,7 +6907,7 @@
 </p:sld>
 </file>
 
-<file path=ppt/slides/slide23.xml><?xml version="1.0" encoding="utf-8"?>
+<file path=ppt/slides/slide24.xml><?xml version="1.0" encoding="utf-8"?>
 <p:sld xmlns:a="http://schemas.openxmlformats.org/drawingml/2006/main" xmlns:r="http://schemas.openxmlformats.org/officeDocument/2006/relationships" xmlns:p="http://schemas.openxmlformats.org/presentationml/2006/main">
   <p:cSld>
     <p:spTree>
@@ -7011,7 +7149,7 @@
 </p:sld>
 </file>
 
-<file path=ppt/slides/slide24.xml><?xml version="1.0" encoding="utf-8"?>
+<file path=ppt/slides/slide25.xml><?xml version="1.0" encoding="utf-8"?>
 <p:sld xmlns:a="http://schemas.openxmlformats.org/drawingml/2006/main" xmlns:r="http://schemas.openxmlformats.org/officeDocument/2006/relationships" xmlns:p="http://schemas.openxmlformats.org/presentationml/2006/main">
   <p:cSld>
     <p:spTree>
@@ -7121,7 +7259,7 @@
 </p:sld>
 </file>
 
-<file path=ppt/slides/slide25.xml><?xml version="1.0" encoding="utf-8"?>
+<file path=ppt/slides/slide26.xml><?xml version="1.0" encoding="utf-8"?>
 <p:sld xmlns:a="http://schemas.openxmlformats.org/drawingml/2006/main" xmlns:r="http://schemas.openxmlformats.org/officeDocument/2006/relationships" xmlns:p="http://schemas.openxmlformats.org/presentationml/2006/main">
   <p:cSld>
     <p:spTree>
@@ -7414,7 +7552,7 @@
 </p:sld>
 </file>
 
-<file path=ppt/slides/slide26.xml><?xml version="1.0" encoding="utf-8"?>
+<file path=ppt/slides/slide27.xml><?xml version="1.0" encoding="utf-8"?>
 <p:sld xmlns:a="http://schemas.openxmlformats.org/drawingml/2006/main" xmlns:r="http://schemas.openxmlformats.org/officeDocument/2006/relationships" xmlns:p="http://schemas.openxmlformats.org/presentationml/2006/main">
   <p:cSld>
     <p:spTree>
@@ -8911,144 +9049,65 @@
           <a:p>
             <a:r>
               <a:rPr lang="en-US" dirty="0"/>
-              <a:t>Need: Training data, and what we want, also machine</a:t>
+              <a:t>Need: Training data, and what we want</a:t>
             </a:r>
           </a:p>
           <a:p>
             <a:endParaRPr lang="en-US" dirty="0"/>
           </a:p>
           <a:p>
-            <a:pPr marL="0" indent="0" algn="ctr">
-              <a:buNone/>
-            </a:pPr>
             <a:r>
               <a:rPr lang="en-US" dirty="0"/>
-              <a:t>f(                                    )  = CAT</a:t>
-            </a:r>
-          </a:p>
-          <a:p>
-            <a:pPr marL="0" indent="0" algn="ctr">
+              <a:t>(</a:t>
+            </a:r>
+            <a:r>
+              <a:rPr lang="en-US" dirty="0" err="1"/>
+              <a:t>x,y</a:t>
+            </a:r>
+            <a:r>
+              <a:rPr lang="en-US" dirty="0"/>
+              <a:t>) </a:t>
+            </a:r>
+            <a:r>
+              <a:rPr lang="en-US" dirty="0">
+                <a:sym typeface="Wingdings" panose="05000000000000000000" pitchFamily="2" charset="2"/>
+              </a:rPr>
+              <a:t> (1,4)</a:t>
+            </a:r>
+          </a:p>
+          <a:p>
+            <a:r>
+              <a:rPr lang="en-US" dirty="0">
+                <a:sym typeface="Wingdings" panose="05000000000000000000" pitchFamily="2" charset="2"/>
+              </a:rPr>
+              <a:t>y = x + 3</a:t>
+            </a:r>
+          </a:p>
+          <a:p>
+            <a:r>
+              <a:rPr lang="en-US" dirty="0">
+                <a:sym typeface="Wingdings" panose="05000000000000000000" pitchFamily="2" charset="2"/>
+              </a:rPr>
+              <a:t>y = x^2 + 3</a:t>
+            </a:r>
+          </a:p>
+          <a:p>
+            <a:r>
+              <a:rPr lang="en-US" dirty="0">
+                <a:sym typeface="Wingdings" panose="05000000000000000000" pitchFamily="2" charset="2"/>
+              </a:rPr>
+              <a:t>… </a:t>
+            </a:r>
+            <a:endParaRPr lang="en-US" dirty="0"/>
+          </a:p>
+          <a:p>
+            <a:pPr marL="0" indent="0">
               <a:buNone/>
             </a:pPr>
             <a:endParaRPr lang="en-US" dirty="0"/>
           </a:p>
-          <a:p>
-            <a:pPr marL="0" indent="0" algn="ctr">
-              <a:buNone/>
-            </a:pPr>
-            <a:endParaRPr lang="en-US" dirty="0"/>
-          </a:p>
-          <a:p>
-            <a:pPr marL="0" indent="0">
-              <a:buNone/>
-            </a:pPr>
-            <a:r>
-              <a:rPr lang="en-US" dirty="0"/>
-              <a:t>                      f(                                    ) = BANANA</a:t>
-            </a:r>
-          </a:p>
-          <a:p>
-            <a:pPr marL="0" indent="0">
-              <a:buNone/>
-            </a:pPr>
-            <a:endParaRPr lang="en-US" dirty="0"/>
-          </a:p>
-        </p:txBody>
-      </p:sp>
-      <p:pic>
-        <p:nvPicPr>
-          <p:cNvPr id="50178" name="Picture 2" descr="Image result for cat">
-            <a:extLst>
-              <a:ext uri="{FF2B5EF4-FFF2-40B4-BE49-F238E27FC236}">
-                <a16:creationId xmlns:a16="http://schemas.microsoft.com/office/drawing/2014/main" id="{68456FB9-2735-42EF-91F5-005CFF7F44CA}"/>
-              </a:ext>
-            </a:extLst>
-          </p:cNvPr>
-          <p:cNvPicPr>
-            <a:picLocks noChangeAspect="1" noChangeArrowheads="1"/>
-          </p:cNvPicPr>
-          <p:nvPr/>
-        </p:nvPicPr>
-        <p:blipFill>
-          <a:blip r:embed="rId2" cstate="print">
-            <a:extLst>
-              <a:ext uri="{28A0092B-C50C-407E-A947-70E740481C1C}">
-                <a14:useLocalDpi xmlns:a14="http://schemas.microsoft.com/office/drawing/2010/main" val="0"/>
-              </a:ext>
-            </a:extLst>
-          </a:blip>
-          <a:srcRect/>
-          <a:stretch>
-            <a:fillRect/>
-          </a:stretch>
-        </p:blipFill>
-        <p:spPr bwMode="auto">
-          <a:xfrm>
-            <a:off x="2802836" y="3062046"/>
-            <a:ext cx="2683566" cy="1878496"/>
-          </a:xfrm>
-          <a:prstGeom prst="rect">
-            <a:avLst/>
-          </a:prstGeom>
-          <a:noFill/>
-          <a:extLst>
-            <a:ext uri="{909E8E84-426E-40DD-AFC4-6F175D3DCCD1}">
-              <a14:hiddenFill xmlns:a14="http://schemas.microsoft.com/office/drawing/2010/main">
-                <a:solidFill>
-                  <a:srgbClr val="FFFFFF"/>
-                </a:solidFill>
-              </a14:hiddenFill>
-            </a:ext>
-          </a:extLst>
-        </p:spPr>
-      </p:pic>
-      <p:pic>
-        <p:nvPicPr>
-          <p:cNvPr id="50180" name="Picture 4" descr="Image result for banana">
-            <a:extLst>
-              <a:ext uri="{FF2B5EF4-FFF2-40B4-BE49-F238E27FC236}">
-                <a16:creationId xmlns:a16="http://schemas.microsoft.com/office/drawing/2014/main" id="{AAFD09FE-07D9-4A17-8A1F-8C2DDB73CFCC}"/>
-              </a:ext>
-            </a:extLst>
-          </p:cNvPr>
-          <p:cNvPicPr>
-            <a:picLocks noChangeAspect="1" noChangeArrowheads="1"/>
-          </p:cNvPicPr>
-          <p:nvPr/>
-        </p:nvPicPr>
-        <p:blipFill>
-          <a:blip r:embed="rId3" cstate="print">
-            <a:extLst>
-              <a:ext uri="{28A0092B-C50C-407E-A947-70E740481C1C}">
-                <a14:useLocalDpi xmlns:a14="http://schemas.microsoft.com/office/drawing/2010/main" val="0"/>
-              </a:ext>
-            </a:extLst>
-          </a:blip>
-          <a:srcRect/>
-          <a:stretch>
-            <a:fillRect/>
-          </a:stretch>
-        </p:blipFill>
-        <p:spPr bwMode="auto">
-          <a:xfrm>
-            <a:off x="2973596" y="4940542"/>
-            <a:ext cx="2342046" cy="1882464"/>
-          </a:xfrm>
-          <a:prstGeom prst="rect">
-            <a:avLst/>
-          </a:prstGeom>
-          <a:noFill/>
-          <a:extLst>
-            <a:ext uri="{909E8E84-426E-40DD-AFC4-6F175D3DCCD1}">
-              <a14:hiddenFill xmlns:a14="http://schemas.microsoft.com/office/drawing/2010/main">
-                <a:solidFill>
-                  <a:srgbClr val="FFFFFF"/>
-                </a:solidFill>
-              </a14:hiddenFill>
-            </a:ext>
-          </a:extLst>
-        </p:spPr>
-      </p:pic>
+        </p:txBody>
+      </p:sp>
     </p:spTree>
     <p:extLst>
       <p:ext uri="{BB962C8B-B14F-4D97-AF65-F5344CB8AC3E}">
@@ -9653,7 +9712,7 @@
           <p:cNvPr id="2" name="Title 1">
             <a:extLst>
               <a:ext uri="{FF2B5EF4-FFF2-40B4-BE49-F238E27FC236}">
-                <a16:creationId xmlns:a16="http://schemas.microsoft.com/office/drawing/2014/main" id="{7B32CFD5-125A-4082-A964-0FC3F042C391}"/>
+                <a16:creationId xmlns:a16="http://schemas.microsoft.com/office/drawing/2014/main" id="{5C7AD783-17FC-4997-829E-1E50AC36DDF4}"/>
               </a:ext>
             </a:extLst>
           </p:cNvPr>
@@ -9671,8 +9730,13 @@
           <a:p>
             <a:r>
               <a:rPr lang="en-US" dirty="0"/>
-              <a:t>How to make machine learn?</a:t>
-            </a:r>
+              <a:t>W</a:t>
+            </a:r>
+            <a:r>
+              <a:rPr lang="en-US" altLang="zh-CN" dirty="0"/>
+              <a:t>hy we need that?</a:t>
+            </a:r>
+            <a:endParaRPr lang="en-US" dirty="0"/>
           </a:p>
         </p:txBody>
       </p:sp>
@@ -9681,7 +9745,7 @@
           <p:cNvPr id="3" name="Content Placeholder 2">
             <a:extLst>
               <a:ext uri="{FF2B5EF4-FFF2-40B4-BE49-F238E27FC236}">
-                <a16:creationId xmlns:a16="http://schemas.microsoft.com/office/drawing/2014/main" id="{B1CD2929-7117-403C-80C1-A982C756790C}"/>
+                <a16:creationId xmlns:a16="http://schemas.microsoft.com/office/drawing/2014/main" id="{6B50DFB3-BB2D-4A40-976A-5F6AE8496A36}"/>
               </a:ext>
             </a:extLst>
           </p:cNvPr>
@@ -9696,55 +9760,6 @@
         <p:txBody>
           <a:bodyPr/>
           <a:lstStyle/>
-          <a:p>
-            <a:r>
-              <a:rPr lang="en-US" dirty="0"/>
-              <a:t>The first thing to handle…</a:t>
-            </a:r>
-          </a:p>
-          <a:p>
-            <a:endParaRPr lang="en-US" dirty="0"/>
-          </a:p>
-          <a:p>
-            <a:pPr marL="0" indent="0">
-              <a:buNone/>
-            </a:pPr>
-            <a:r>
-              <a:rPr lang="en-US" dirty="0"/>
-              <a:t>      -</a:t>
-            </a:r>
-            <a:r>
-              <a:rPr lang="en-US" b="1" dirty="0"/>
-              <a:t>DATA!</a:t>
-            </a:r>
-          </a:p>
-          <a:p>
-            <a:pPr marL="0" indent="0">
-              <a:buNone/>
-            </a:pPr>
-            <a:r>
-              <a:rPr lang="en-US" dirty="0"/>
-              <a:t>      -with target values? Regression</a:t>
-            </a:r>
-          </a:p>
-          <a:p>
-            <a:pPr marL="0" indent="0">
-              <a:buNone/>
-            </a:pPr>
-            <a:r>
-              <a:rPr lang="en-US" dirty="0"/>
-              <a:t>      -without target values? Clustering</a:t>
-            </a:r>
-          </a:p>
-          <a:p>
-            <a:pPr marL="0" indent="0">
-              <a:buNone/>
-            </a:pPr>
-            <a:r>
-              <a:rPr lang="en-US" dirty="0"/>
-              <a:t>      -easy to know the target values? Playing chess</a:t>
-            </a:r>
-          </a:p>
           <a:p>
             <a:pPr marL="0" indent="0">
               <a:buNone/>
@@ -9752,14 +9767,147 @@
             <a:endParaRPr lang="en-US" dirty="0"/>
           </a:p>
           <a:p>
+            <a:pPr marL="0" indent="0" algn="ctr">
+              <a:buNone/>
+            </a:pPr>
+            <a:r>
+              <a:rPr lang="en-US" dirty="0"/>
+              <a:t>f(                                    )  = CAT</a:t>
+            </a:r>
+          </a:p>
+          <a:p>
+            <a:pPr marL="0" indent="0" algn="ctr">
+              <a:buNone/>
+            </a:pPr>
             <a:endParaRPr lang="en-US" dirty="0"/>
           </a:p>
-        </p:txBody>
-      </p:sp>
+          <a:p>
+            <a:pPr marL="0" indent="0" algn="ctr">
+              <a:buNone/>
+            </a:pPr>
+            <a:endParaRPr lang="en-US" dirty="0"/>
+          </a:p>
+          <a:p>
+            <a:pPr marL="0" indent="0" algn="ctr">
+              <a:buNone/>
+            </a:pPr>
+            <a:endParaRPr lang="en-US" dirty="0"/>
+          </a:p>
+          <a:p>
+            <a:pPr marL="0" indent="0">
+              <a:buNone/>
+            </a:pPr>
+            <a:r>
+              <a:rPr lang="en-US" dirty="0"/>
+              <a:t>                      f(                                    ) = BANANA</a:t>
+            </a:r>
+          </a:p>
+          <a:p>
+            <a:pPr marL="0" indent="0">
+              <a:buNone/>
+            </a:pPr>
+            <a:endParaRPr lang="en-US" dirty="0"/>
+          </a:p>
+        </p:txBody>
+      </p:sp>
+      <p:pic>
+        <p:nvPicPr>
+          <p:cNvPr id="50178" name="Picture 2" descr="Image result for cat">
+            <a:extLst>
+              <a:ext uri="{FF2B5EF4-FFF2-40B4-BE49-F238E27FC236}">
+                <a16:creationId xmlns:a16="http://schemas.microsoft.com/office/drawing/2014/main" id="{68456FB9-2735-42EF-91F5-005CFF7F44CA}"/>
+              </a:ext>
+            </a:extLst>
+          </p:cNvPr>
+          <p:cNvPicPr>
+            <a:picLocks noChangeAspect="1" noChangeArrowheads="1"/>
+          </p:cNvPicPr>
+          <p:nvPr/>
+        </p:nvPicPr>
+        <p:blipFill>
+          <a:blip r:embed="rId2" cstate="print">
+            <a:extLst>
+              <a:ext uri="{28A0092B-C50C-407E-A947-70E740481C1C}">
+                <a14:useLocalDpi xmlns:a14="http://schemas.microsoft.com/office/drawing/2010/main" val="0"/>
+              </a:ext>
+            </a:extLst>
+          </a:blip>
+          <a:srcRect/>
+          <a:stretch>
+            <a:fillRect/>
+          </a:stretch>
+        </p:blipFill>
+        <p:spPr bwMode="auto">
+          <a:xfrm>
+            <a:off x="2802836" y="1600994"/>
+            <a:ext cx="2683566" cy="1878496"/>
+          </a:xfrm>
+          <a:prstGeom prst="rect">
+            <a:avLst/>
+          </a:prstGeom>
+          <a:noFill/>
+          <a:extLst>
+            <a:ext uri="{909E8E84-426E-40DD-AFC4-6F175D3DCCD1}">
+              <a14:hiddenFill xmlns:a14="http://schemas.microsoft.com/office/drawing/2010/main">
+                <a:solidFill>
+                  <a:srgbClr val="FFFFFF"/>
+                </a:solidFill>
+              </a14:hiddenFill>
+            </a:ext>
+          </a:extLst>
+        </p:spPr>
+      </p:pic>
+      <p:pic>
+        <p:nvPicPr>
+          <p:cNvPr id="50180" name="Picture 4" descr="Image result for banana">
+            <a:extLst>
+              <a:ext uri="{FF2B5EF4-FFF2-40B4-BE49-F238E27FC236}">
+                <a16:creationId xmlns:a16="http://schemas.microsoft.com/office/drawing/2014/main" id="{AAFD09FE-07D9-4A17-8A1F-8C2DDB73CFCC}"/>
+              </a:ext>
+            </a:extLst>
+          </p:cNvPr>
+          <p:cNvPicPr>
+            <a:picLocks noChangeAspect="1" noChangeArrowheads="1"/>
+          </p:cNvPicPr>
+          <p:nvPr/>
+        </p:nvPicPr>
+        <p:blipFill>
+          <a:blip r:embed="rId3" cstate="print">
+            <a:extLst>
+              <a:ext uri="{28A0092B-C50C-407E-A947-70E740481C1C}">
+                <a14:useLocalDpi xmlns:a14="http://schemas.microsoft.com/office/drawing/2010/main" val="0"/>
+              </a:ext>
+            </a:extLst>
+          </a:blip>
+          <a:srcRect/>
+          <a:stretch>
+            <a:fillRect/>
+          </a:stretch>
+        </p:blipFill>
+        <p:spPr bwMode="auto">
+          <a:xfrm>
+            <a:off x="2973596" y="3886994"/>
+            <a:ext cx="2342046" cy="1882464"/>
+          </a:xfrm>
+          <a:prstGeom prst="rect">
+            <a:avLst/>
+          </a:prstGeom>
+          <a:noFill/>
+          <a:extLst>
+            <a:ext uri="{909E8E84-426E-40DD-AFC4-6F175D3DCCD1}">
+              <a14:hiddenFill xmlns:a14="http://schemas.microsoft.com/office/drawing/2010/main">
+                <a:solidFill>
+                  <a:srgbClr val="FFFFFF"/>
+                </a:solidFill>
+              </a14:hiddenFill>
+            </a:ext>
+          </a:extLst>
+        </p:spPr>
+      </p:pic>
     </p:spTree>
     <p:extLst>
       <p:ext uri="{BB962C8B-B14F-4D97-AF65-F5344CB8AC3E}">
-        <p14:creationId xmlns:p14="http://schemas.microsoft.com/office/powerpoint/2010/main" val="3392138837"/>
+        <p14:creationId xmlns:p14="http://schemas.microsoft.com/office/powerpoint/2010/main" val="4220804680"/>
       </p:ext>
     </p:extLst>
   </p:cSld>
